--- a/Slides/Lesson 5.1 Introduction to Testing and TDD.pptx
+++ b/Slides/Lesson 5.1 Introduction to Testing and TDD.pptx
@@ -5,7 +5,7 @@
     <p:sldMasterId id="2147483648" r:id="rId1"/>
   </p:sldMasterIdLst>
   <p:notesMasterIdLst>
-    <p:notesMasterId r:id="rId23"/>
+    <p:notesMasterId r:id="rId22"/>
   </p:notesMasterIdLst>
   <p:sldIdLst>
     <p:sldId id="256" r:id="rId2"/>
@@ -27,8 +27,7 @@
     <p:sldId id="318" r:id="rId18"/>
     <p:sldId id="319" r:id="rId19"/>
     <p:sldId id="320" r:id="rId20"/>
-    <p:sldId id="321" r:id="rId21"/>
-    <p:sldId id="305" r:id="rId22"/>
+    <p:sldId id="305" r:id="rId21"/>
   </p:sldIdLst>
   <p:sldSz cx="12192000" cy="6858000"/>
   <p:notesSz cx="6858000" cy="9144000"/>
@@ -217,7 +216,7 @@
           <a:p>
             <a:fld id="{7C7E5181-6CF5-45F7-A87A-E0E0B1FD7549}" type="datetimeFigureOut">
               <a:rPr lang="en-US" smtClean="0"/>
-              <a:t>10/17/2021</a:t>
+              <a:t>2/8/2022</a:t>
             </a:fld>
             <a:endParaRPr lang="en-US"/>
           </a:p>
@@ -484,6 +483,1803 @@
 </p:notesMaster>
 </file>
 
+<file path=ppt/notesSlides/notesSlide1.xml><?xml version="1.0" encoding="utf-8"?>
+<p:notes xmlns:a="http://schemas.openxmlformats.org/drawingml/2006/main" xmlns:r="http://schemas.openxmlformats.org/officeDocument/2006/relationships" xmlns:p="http://schemas.openxmlformats.org/presentationml/2006/main">
+  <p:cSld>
+    <p:spTree>
+      <p:nvGrpSpPr>
+        <p:cNvPr id="1" name=""/>
+        <p:cNvGrpSpPr/>
+        <p:nvPr/>
+      </p:nvGrpSpPr>
+      <p:grpSpPr>
+        <a:xfrm>
+          <a:off x="0" y="0"/>
+          <a:ext cx="0" cy="0"/>
+          <a:chOff x="0" y="0"/>
+          <a:chExt cx="0" cy="0"/>
+        </a:xfrm>
+      </p:grpSpPr>
+      <p:sp>
+        <p:nvSpPr>
+          <p:cNvPr id="2" name="Slide Image Placeholder 1"/>
+          <p:cNvSpPr>
+            <a:spLocks noGrp="1" noRot="1" noChangeAspect="1"/>
+          </p:cNvSpPr>
+          <p:nvPr>
+            <p:ph type="sldImg"/>
+          </p:nvPr>
+        </p:nvSpPr>
+        <p:spPr/>
+      </p:sp>
+      <p:sp>
+        <p:nvSpPr>
+          <p:cNvPr id="3" name="Notes Placeholder 2"/>
+          <p:cNvSpPr>
+            <a:spLocks noGrp="1"/>
+          </p:cNvSpPr>
+          <p:nvPr>
+            <p:ph type="body" idx="1"/>
+          </p:nvPr>
+        </p:nvSpPr>
+        <p:spPr/>
+        <p:txBody>
+          <a:bodyPr/>
+          <a:lstStyle/>
+          <a:p>
+            <a:r>
+              <a:rPr lang="en-US" dirty="0"/>
+              <a:t>&lt;read slide&gt;</a:t>
+            </a:r>
+          </a:p>
+        </p:txBody>
+      </p:sp>
+      <p:sp>
+        <p:nvSpPr>
+          <p:cNvPr id="4" name="Slide Number Placeholder 3"/>
+          <p:cNvSpPr>
+            <a:spLocks noGrp="1"/>
+          </p:cNvSpPr>
+          <p:nvPr>
+            <p:ph type="sldNum" sz="quarter" idx="5"/>
+          </p:nvPr>
+        </p:nvSpPr>
+        <p:spPr/>
+        <p:txBody>
+          <a:bodyPr/>
+          <a:lstStyle/>
+          <a:p>
+            <a:fld id="{07937F07-1250-4CCE-B198-1B2887014F41}" type="slidenum">
+              <a:rPr lang="en-US" smtClean="0"/>
+              <a:t>2</a:t>
+            </a:fld>
+            <a:endParaRPr lang="en-US"/>
+          </a:p>
+        </p:txBody>
+      </p:sp>
+    </p:spTree>
+    <p:extLst>
+      <p:ext uri="{BB962C8B-B14F-4D97-AF65-F5344CB8AC3E}">
+        <p14:creationId xmlns:p14="http://schemas.microsoft.com/office/powerpoint/2010/main" val="1504301893"/>
+      </p:ext>
+    </p:extLst>
+  </p:cSld>
+  <p:clrMapOvr>
+    <a:masterClrMapping/>
+  </p:clrMapOvr>
+</p:notes>
+</file>
+
+<file path=ppt/notesSlides/notesSlide10.xml><?xml version="1.0" encoding="utf-8"?>
+<p:notes xmlns:a="http://schemas.openxmlformats.org/drawingml/2006/main" xmlns:r="http://schemas.openxmlformats.org/officeDocument/2006/relationships" xmlns:p="http://schemas.openxmlformats.org/presentationml/2006/main">
+  <p:cSld>
+    <p:spTree>
+      <p:nvGrpSpPr>
+        <p:cNvPr id="1" name=""/>
+        <p:cNvGrpSpPr/>
+        <p:nvPr/>
+      </p:nvGrpSpPr>
+      <p:grpSpPr>
+        <a:xfrm>
+          <a:off x="0" y="0"/>
+          <a:ext cx="0" cy="0"/>
+          <a:chOff x="0" y="0"/>
+          <a:chExt cx="0" cy="0"/>
+        </a:xfrm>
+      </p:grpSpPr>
+      <p:sp>
+        <p:nvSpPr>
+          <p:cNvPr id="2" name="Slide Image Placeholder 1"/>
+          <p:cNvSpPr>
+            <a:spLocks noGrp="1" noRot="1" noChangeAspect="1"/>
+          </p:cNvSpPr>
+          <p:nvPr>
+            <p:ph type="sldImg"/>
+          </p:nvPr>
+        </p:nvSpPr>
+        <p:spPr/>
+      </p:sp>
+      <p:sp>
+        <p:nvSpPr>
+          <p:cNvPr id="3" name="Notes Placeholder 2"/>
+          <p:cNvSpPr>
+            <a:spLocks noGrp="1"/>
+          </p:cNvSpPr>
+          <p:nvPr>
+            <p:ph type="body" idx="1"/>
+          </p:nvPr>
+        </p:nvSpPr>
+        <p:spPr/>
+        <p:txBody>
+          <a:bodyPr/>
+          <a:lstStyle/>
+          <a:p>
+            <a:r>
+              <a:rPr lang="en-US" dirty="0"/>
+              <a:t>&lt;read slide&gt;</a:t>
+            </a:r>
+          </a:p>
+        </p:txBody>
+      </p:sp>
+      <p:sp>
+        <p:nvSpPr>
+          <p:cNvPr id="4" name="Slide Number Placeholder 3"/>
+          <p:cNvSpPr>
+            <a:spLocks noGrp="1"/>
+          </p:cNvSpPr>
+          <p:nvPr>
+            <p:ph type="sldNum" sz="quarter" idx="5"/>
+          </p:nvPr>
+        </p:nvSpPr>
+        <p:spPr/>
+        <p:txBody>
+          <a:bodyPr/>
+          <a:lstStyle/>
+          <a:p>
+            <a:fld id="{07937F07-1250-4CCE-B198-1B2887014F41}" type="slidenum">
+              <a:rPr lang="en-US" smtClean="0"/>
+              <a:t>11</a:t>
+            </a:fld>
+            <a:endParaRPr lang="en-US"/>
+          </a:p>
+        </p:txBody>
+      </p:sp>
+    </p:spTree>
+    <p:extLst>
+      <p:ext uri="{BB962C8B-B14F-4D97-AF65-F5344CB8AC3E}">
+        <p14:creationId xmlns:p14="http://schemas.microsoft.com/office/powerpoint/2010/main" val="3131231349"/>
+      </p:ext>
+    </p:extLst>
+  </p:cSld>
+  <p:clrMapOvr>
+    <a:masterClrMapping/>
+  </p:clrMapOvr>
+</p:notes>
+</file>
+
+<file path=ppt/notesSlides/notesSlide11.xml><?xml version="1.0" encoding="utf-8"?>
+<p:notes xmlns:a="http://schemas.openxmlformats.org/drawingml/2006/main" xmlns:r="http://schemas.openxmlformats.org/officeDocument/2006/relationships" xmlns:p="http://schemas.openxmlformats.org/presentationml/2006/main">
+  <p:cSld>
+    <p:spTree>
+      <p:nvGrpSpPr>
+        <p:cNvPr id="1" name=""/>
+        <p:cNvGrpSpPr/>
+        <p:nvPr/>
+      </p:nvGrpSpPr>
+      <p:grpSpPr>
+        <a:xfrm>
+          <a:off x="0" y="0"/>
+          <a:ext cx="0" cy="0"/>
+          <a:chOff x="0" y="0"/>
+          <a:chExt cx="0" cy="0"/>
+        </a:xfrm>
+      </p:grpSpPr>
+      <p:sp>
+        <p:nvSpPr>
+          <p:cNvPr id="2" name="Slide Image Placeholder 1"/>
+          <p:cNvSpPr>
+            <a:spLocks noGrp="1" noRot="1" noChangeAspect="1"/>
+          </p:cNvSpPr>
+          <p:nvPr>
+            <p:ph type="sldImg"/>
+          </p:nvPr>
+        </p:nvSpPr>
+        <p:spPr/>
+      </p:sp>
+      <p:sp>
+        <p:nvSpPr>
+          <p:cNvPr id="3" name="Notes Placeholder 2"/>
+          <p:cNvSpPr>
+            <a:spLocks noGrp="1"/>
+          </p:cNvSpPr>
+          <p:nvPr>
+            <p:ph type="body" idx="1"/>
+          </p:nvPr>
+        </p:nvSpPr>
+        <p:spPr/>
+        <p:txBody>
+          <a:bodyPr/>
+          <a:lstStyle/>
+          <a:p>
+            <a:r>
+              <a:rPr lang="en-US" dirty="0"/>
+              <a:t>Typically we talk about this ice cream cone where we have a lot of a lot of manual tests, and then some automatic automated tests specifically related to GUI and then some integration tests and unit tests. The book that we mentioned earlier, software engineering at Google, recommends a different paradigm. It recommends that about 80% of your testing should be focused on unit testing and then about 15% on integration testing and then about 5% on end to end testing (what is known as system level testing). </a:t>
+            </a:r>
+          </a:p>
+        </p:txBody>
+      </p:sp>
+      <p:sp>
+        <p:nvSpPr>
+          <p:cNvPr id="4" name="Slide Number Placeholder 3"/>
+          <p:cNvSpPr>
+            <a:spLocks noGrp="1"/>
+          </p:cNvSpPr>
+          <p:nvPr>
+            <p:ph type="sldNum" sz="quarter" idx="5"/>
+          </p:nvPr>
+        </p:nvSpPr>
+        <p:spPr/>
+        <p:txBody>
+          <a:bodyPr/>
+          <a:lstStyle/>
+          <a:p>
+            <a:fld id="{07937F07-1250-4CCE-B198-1B2887014F41}" type="slidenum">
+              <a:rPr lang="en-US" smtClean="0"/>
+              <a:t>12</a:t>
+            </a:fld>
+            <a:endParaRPr lang="en-US"/>
+          </a:p>
+        </p:txBody>
+      </p:sp>
+    </p:spTree>
+    <p:extLst>
+      <p:ext uri="{BB962C8B-B14F-4D97-AF65-F5344CB8AC3E}">
+        <p14:creationId xmlns:p14="http://schemas.microsoft.com/office/powerpoint/2010/main" val="2610490160"/>
+      </p:ext>
+    </p:extLst>
+  </p:cSld>
+  <p:clrMapOvr>
+    <a:masterClrMapping/>
+  </p:clrMapOvr>
+</p:notes>
+</file>
+
+<file path=ppt/notesSlides/notesSlide12.xml><?xml version="1.0" encoding="utf-8"?>
+<p:notes xmlns:a="http://schemas.openxmlformats.org/drawingml/2006/main" xmlns:r="http://schemas.openxmlformats.org/officeDocument/2006/relationships" xmlns:p="http://schemas.openxmlformats.org/presentationml/2006/main">
+  <p:cSld>
+    <p:spTree>
+      <p:nvGrpSpPr>
+        <p:cNvPr id="1" name=""/>
+        <p:cNvGrpSpPr/>
+        <p:nvPr/>
+      </p:nvGrpSpPr>
+      <p:grpSpPr>
+        <a:xfrm>
+          <a:off x="0" y="0"/>
+          <a:ext cx="0" cy="0"/>
+          <a:chOff x="0" y="0"/>
+          <a:chExt cx="0" cy="0"/>
+        </a:xfrm>
+      </p:grpSpPr>
+      <p:sp>
+        <p:nvSpPr>
+          <p:cNvPr id="2" name="Slide Image Placeholder 1"/>
+          <p:cNvSpPr>
+            <a:spLocks noGrp="1" noRot="1" noChangeAspect="1"/>
+          </p:cNvSpPr>
+          <p:nvPr>
+            <p:ph type="sldImg"/>
+          </p:nvPr>
+        </p:nvSpPr>
+        <p:spPr/>
+      </p:sp>
+      <p:sp>
+        <p:nvSpPr>
+          <p:cNvPr id="3" name="Notes Placeholder 2"/>
+          <p:cNvSpPr>
+            <a:spLocks noGrp="1"/>
+          </p:cNvSpPr>
+          <p:nvPr>
+            <p:ph type="body" idx="1"/>
+          </p:nvPr>
+        </p:nvSpPr>
+        <p:spPr/>
+        <p:txBody>
+          <a:bodyPr/>
+          <a:lstStyle/>
+          <a:p>
+            <a:r>
+              <a:rPr lang="en-US" dirty="0"/>
+              <a:t>Let’s also say a word about TDD and how it related to testing</a:t>
+            </a:r>
+            <a:br>
+              <a:rPr lang="en-US" dirty="0"/>
+            </a:br>
+            <a:r>
+              <a:rPr lang="en-US" dirty="0"/>
+              <a:t>When we talk about TDD from the outside, it's always driven by issues. So the issues could be that we have new features, new requests, or we have bugs that we have to fix or some other request that we have to fulfill. Looking at our analogy, we have this water wheel and water is dropped on the wheel which makes it turn. So the issues, which could be bug reports, feature requests or enhancement requests, are the water in this analogy. </a:t>
+            </a:r>
+          </a:p>
+        </p:txBody>
+      </p:sp>
+      <p:sp>
+        <p:nvSpPr>
+          <p:cNvPr id="4" name="Slide Number Placeholder 3"/>
+          <p:cNvSpPr>
+            <a:spLocks noGrp="1"/>
+          </p:cNvSpPr>
+          <p:nvPr>
+            <p:ph type="sldNum" sz="quarter" idx="5"/>
+          </p:nvPr>
+        </p:nvSpPr>
+        <p:spPr/>
+        <p:txBody>
+          <a:bodyPr/>
+          <a:lstStyle/>
+          <a:p>
+            <a:fld id="{07937F07-1250-4CCE-B198-1B2887014F41}" type="slidenum">
+              <a:rPr lang="en-US" smtClean="0"/>
+              <a:t>13</a:t>
+            </a:fld>
+            <a:endParaRPr lang="en-US"/>
+          </a:p>
+        </p:txBody>
+      </p:sp>
+    </p:spTree>
+    <p:extLst>
+      <p:ext uri="{BB962C8B-B14F-4D97-AF65-F5344CB8AC3E}">
+        <p14:creationId xmlns:p14="http://schemas.microsoft.com/office/powerpoint/2010/main" val="2361036744"/>
+      </p:ext>
+    </p:extLst>
+  </p:cSld>
+  <p:clrMapOvr>
+    <a:masterClrMapping/>
+  </p:clrMapOvr>
+</p:notes>
+</file>
+
+<file path=ppt/notesSlides/notesSlide13.xml><?xml version="1.0" encoding="utf-8"?>
+<p:notes xmlns:a="http://schemas.openxmlformats.org/drawingml/2006/main" xmlns:r="http://schemas.openxmlformats.org/officeDocument/2006/relationships" xmlns:p="http://schemas.openxmlformats.org/presentationml/2006/main">
+  <p:cSld>
+    <p:spTree>
+      <p:nvGrpSpPr>
+        <p:cNvPr id="1" name=""/>
+        <p:cNvGrpSpPr/>
+        <p:nvPr/>
+      </p:nvGrpSpPr>
+      <p:grpSpPr>
+        <a:xfrm>
+          <a:off x="0" y="0"/>
+          <a:ext cx="0" cy="0"/>
+          <a:chOff x="0" y="0"/>
+          <a:chExt cx="0" cy="0"/>
+        </a:xfrm>
+      </p:grpSpPr>
+      <p:sp>
+        <p:nvSpPr>
+          <p:cNvPr id="2" name="Slide Image Placeholder 1"/>
+          <p:cNvSpPr>
+            <a:spLocks noGrp="1" noRot="1" noChangeAspect="1"/>
+          </p:cNvSpPr>
+          <p:nvPr>
+            <p:ph type="sldImg"/>
+          </p:nvPr>
+        </p:nvSpPr>
+        <p:spPr/>
+      </p:sp>
+      <p:sp>
+        <p:nvSpPr>
+          <p:cNvPr id="3" name="Notes Placeholder 2"/>
+          <p:cNvSpPr>
+            <a:spLocks noGrp="1"/>
+          </p:cNvSpPr>
+          <p:nvPr>
+            <p:ph type="body" idx="1"/>
+          </p:nvPr>
+        </p:nvSpPr>
+        <p:spPr/>
+        <p:txBody>
+          <a:bodyPr/>
+          <a:lstStyle/>
+          <a:p>
+            <a:r>
+              <a:rPr lang="en-US" dirty="0"/>
+              <a:t>&lt;read slide&gt;</a:t>
+            </a:r>
+          </a:p>
+        </p:txBody>
+      </p:sp>
+      <p:sp>
+        <p:nvSpPr>
+          <p:cNvPr id="4" name="Slide Number Placeholder 3"/>
+          <p:cNvSpPr>
+            <a:spLocks noGrp="1"/>
+          </p:cNvSpPr>
+          <p:nvPr>
+            <p:ph type="sldNum" sz="quarter" idx="5"/>
+          </p:nvPr>
+        </p:nvSpPr>
+        <p:spPr/>
+        <p:txBody>
+          <a:bodyPr/>
+          <a:lstStyle/>
+          <a:p>
+            <a:fld id="{07937F07-1250-4CCE-B198-1B2887014F41}" type="slidenum">
+              <a:rPr lang="en-US" smtClean="0"/>
+              <a:t>14</a:t>
+            </a:fld>
+            <a:endParaRPr lang="en-US"/>
+          </a:p>
+        </p:txBody>
+      </p:sp>
+    </p:spTree>
+    <p:extLst>
+      <p:ext uri="{BB962C8B-B14F-4D97-AF65-F5344CB8AC3E}">
+        <p14:creationId xmlns:p14="http://schemas.microsoft.com/office/powerpoint/2010/main" val="1976758797"/>
+      </p:ext>
+    </p:extLst>
+  </p:cSld>
+  <p:clrMapOvr>
+    <a:masterClrMapping/>
+  </p:clrMapOvr>
+</p:notes>
+</file>
+
+<file path=ppt/notesSlides/notesSlide14.xml><?xml version="1.0" encoding="utf-8"?>
+<p:notes xmlns:a="http://schemas.openxmlformats.org/drawingml/2006/main" xmlns:r="http://schemas.openxmlformats.org/officeDocument/2006/relationships" xmlns:p="http://schemas.openxmlformats.org/presentationml/2006/main">
+  <p:cSld>
+    <p:spTree>
+      <p:nvGrpSpPr>
+        <p:cNvPr id="1" name=""/>
+        <p:cNvGrpSpPr/>
+        <p:nvPr/>
+      </p:nvGrpSpPr>
+      <p:grpSpPr>
+        <a:xfrm>
+          <a:off x="0" y="0"/>
+          <a:ext cx="0" cy="0"/>
+          <a:chOff x="0" y="0"/>
+          <a:chExt cx="0" cy="0"/>
+        </a:xfrm>
+      </p:grpSpPr>
+      <p:sp>
+        <p:nvSpPr>
+          <p:cNvPr id="2" name="Slide Image Placeholder 1"/>
+          <p:cNvSpPr>
+            <a:spLocks noGrp="1" noRot="1" noChangeAspect="1"/>
+          </p:cNvSpPr>
+          <p:nvPr>
+            <p:ph type="sldImg"/>
+          </p:nvPr>
+        </p:nvSpPr>
+        <p:spPr/>
+      </p:sp>
+      <p:sp>
+        <p:nvSpPr>
+          <p:cNvPr id="3" name="Notes Placeholder 2"/>
+          <p:cNvSpPr>
+            <a:spLocks noGrp="1"/>
+          </p:cNvSpPr>
+          <p:nvPr>
+            <p:ph type="body" idx="1"/>
+          </p:nvPr>
+        </p:nvSpPr>
+        <p:spPr/>
+        <p:txBody>
+          <a:bodyPr/>
+          <a:lstStyle/>
+          <a:p>
+            <a:r>
+              <a:rPr lang="en-US" dirty="0"/>
+              <a:t>&lt;read slide&gt;</a:t>
+            </a:r>
+          </a:p>
+        </p:txBody>
+      </p:sp>
+      <p:sp>
+        <p:nvSpPr>
+          <p:cNvPr id="4" name="Slide Number Placeholder 3"/>
+          <p:cNvSpPr>
+            <a:spLocks noGrp="1"/>
+          </p:cNvSpPr>
+          <p:nvPr>
+            <p:ph type="sldNum" sz="quarter" idx="5"/>
+          </p:nvPr>
+        </p:nvSpPr>
+        <p:spPr/>
+        <p:txBody>
+          <a:bodyPr/>
+          <a:lstStyle/>
+          <a:p>
+            <a:fld id="{07937F07-1250-4CCE-B198-1B2887014F41}" type="slidenum">
+              <a:rPr lang="en-US" smtClean="0"/>
+              <a:t>15</a:t>
+            </a:fld>
+            <a:endParaRPr lang="en-US"/>
+          </a:p>
+        </p:txBody>
+      </p:sp>
+    </p:spTree>
+    <p:extLst>
+      <p:ext uri="{BB962C8B-B14F-4D97-AF65-F5344CB8AC3E}">
+        <p14:creationId xmlns:p14="http://schemas.microsoft.com/office/powerpoint/2010/main" val="288788095"/>
+      </p:ext>
+    </p:extLst>
+  </p:cSld>
+  <p:clrMapOvr>
+    <a:masterClrMapping/>
+  </p:clrMapOvr>
+</p:notes>
+</file>
+
+<file path=ppt/notesSlides/notesSlide15.xml><?xml version="1.0" encoding="utf-8"?>
+<p:notes xmlns:a="http://schemas.openxmlformats.org/drawingml/2006/main" xmlns:r="http://schemas.openxmlformats.org/officeDocument/2006/relationships" xmlns:p="http://schemas.openxmlformats.org/presentationml/2006/main">
+  <p:cSld>
+    <p:spTree>
+      <p:nvGrpSpPr>
+        <p:cNvPr id="1" name=""/>
+        <p:cNvGrpSpPr/>
+        <p:nvPr/>
+      </p:nvGrpSpPr>
+      <p:grpSpPr>
+        <a:xfrm>
+          <a:off x="0" y="0"/>
+          <a:ext cx="0" cy="0"/>
+          <a:chOff x="0" y="0"/>
+          <a:chExt cx="0" cy="0"/>
+        </a:xfrm>
+      </p:grpSpPr>
+      <p:sp>
+        <p:nvSpPr>
+          <p:cNvPr id="2" name="Slide Image Placeholder 1"/>
+          <p:cNvSpPr>
+            <a:spLocks noGrp="1" noRot="1" noChangeAspect="1"/>
+          </p:cNvSpPr>
+          <p:nvPr>
+            <p:ph type="sldImg"/>
+          </p:nvPr>
+        </p:nvSpPr>
+        <p:spPr/>
+      </p:sp>
+      <p:sp>
+        <p:nvSpPr>
+          <p:cNvPr id="3" name="Notes Placeholder 2"/>
+          <p:cNvSpPr>
+            <a:spLocks noGrp="1"/>
+          </p:cNvSpPr>
+          <p:nvPr>
+            <p:ph type="body" idx="1"/>
+          </p:nvPr>
+        </p:nvSpPr>
+        <p:spPr/>
+        <p:txBody>
+          <a:bodyPr/>
+          <a:lstStyle/>
+          <a:p>
+            <a:r>
+              <a:rPr lang="en-US" dirty="0"/>
+              <a:t>&lt;read slide&gt;</a:t>
+            </a:r>
+          </a:p>
+        </p:txBody>
+      </p:sp>
+      <p:sp>
+        <p:nvSpPr>
+          <p:cNvPr id="4" name="Slide Number Placeholder 3"/>
+          <p:cNvSpPr>
+            <a:spLocks noGrp="1"/>
+          </p:cNvSpPr>
+          <p:nvPr>
+            <p:ph type="sldNum" sz="quarter" idx="5"/>
+          </p:nvPr>
+        </p:nvSpPr>
+        <p:spPr/>
+        <p:txBody>
+          <a:bodyPr/>
+          <a:lstStyle/>
+          <a:p>
+            <a:fld id="{07937F07-1250-4CCE-B198-1B2887014F41}" type="slidenum">
+              <a:rPr lang="en-US" smtClean="0"/>
+              <a:t>16</a:t>
+            </a:fld>
+            <a:endParaRPr lang="en-US"/>
+          </a:p>
+        </p:txBody>
+      </p:sp>
+    </p:spTree>
+    <p:extLst>
+      <p:ext uri="{BB962C8B-B14F-4D97-AF65-F5344CB8AC3E}">
+        <p14:creationId xmlns:p14="http://schemas.microsoft.com/office/powerpoint/2010/main" val="1196412826"/>
+      </p:ext>
+    </p:extLst>
+  </p:cSld>
+  <p:clrMapOvr>
+    <a:masterClrMapping/>
+  </p:clrMapOvr>
+</p:notes>
+</file>
+
+<file path=ppt/notesSlides/notesSlide16.xml><?xml version="1.0" encoding="utf-8"?>
+<p:notes xmlns:a="http://schemas.openxmlformats.org/drawingml/2006/main" xmlns:r="http://schemas.openxmlformats.org/officeDocument/2006/relationships" xmlns:p="http://schemas.openxmlformats.org/presentationml/2006/main">
+  <p:cSld>
+    <p:spTree>
+      <p:nvGrpSpPr>
+        <p:cNvPr id="1" name=""/>
+        <p:cNvGrpSpPr/>
+        <p:nvPr/>
+      </p:nvGrpSpPr>
+      <p:grpSpPr>
+        <a:xfrm>
+          <a:off x="0" y="0"/>
+          <a:ext cx="0" cy="0"/>
+          <a:chOff x="0" y="0"/>
+          <a:chExt cx="0" cy="0"/>
+        </a:xfrm>
+      </p:grpSpPr>
+      <p:sp>
+        <p:nvSpPr>
+          <p:cNvPr id="2" name="Slide Image Placeholder 1"/>
+          <p:cNvSpPr>
+            <a:spLocks noGrp="1" noRot="1" noChangeAspect="1"/>
+          </p:cNvSpPr>
+          <p:nvPr>
+            <p:ph type="sldImg"/>
+          </p:nvPr>
+        </p:nvSpPr>
+        <p:spPr/>
+      </p:sp>
+      <p:sp>
+        <p:nvSpPr>
+          <p:cNvPr id="3" name="Notes Placeholder 2"/>
+          <p:cNvSpPr>
+            <a:spLocks noGrp="1"/>
+          </p:cNvSpPr>
+          <p:nvPr>
+            <p:ph type="body" idx="1"/>
+          </p:nvPr>
+        </p:nvSpPr>
+        <p:spPr/>
+        <p:txBody>
+          <a:bodyPr/>
+          <a:lstStyle/>
+          <a:p>
+            <a:r>
+              <a:rPr lang="en-US" dirty="0"/>
+              <a:t>&lt;read slide&gt;</a:t>
+            </a:r>
+          </a:p>
+        </p:txBody>
+      </p:sp>
+      <p:sp>
+        <p:nvSpPr>
+          <p:cNvPr id="4" name="Slide Number Placeholder 3"/>
+          <p:cNvSpPr>
+            <a:spLocks noGrp="1"/>
+          </p:cNvSpPr>
+          <p:nvPr>
+            <p:ph type="sldNum" sz="quarter" idx="5"/>
+          </p:nvPr>
+        </p:nvSpPr>
+        <p:spPr/>
+        <p:txBody>
+          <a:bodyPr/>
+          <a:lstStyle/>
+          <a:p>
+            <a:fld id="{07937F07-1250-4CCE-B198-1B2887014F41}" type="slidenum">
+              <a:rPr lang="en-US" smtClean="0"/>
+              <a:t>17</a:t>
+            </a:fld>
+            <a:endParaRPr lang="en-US"/>
+          </a:p>
+        </p:txBody>
+      </p:sp>
+    </p:spTree>
+    <p:extLst>
+      <p:ext uri="{BB962C8B-B14F-4D97-AF65-F5344CB8AC3E}">
+        <p14:creationId xmlns:p14="http://schemas.microsoft.com/office/powerpoint/2010/main" val="1253021397"/>
+      </p:ext>
+    </p:extLst>
+  </p:cSld>
+  <p:clrMapOvr>
+    <a:masterClrMapping/>
+  </p:clrMapOvr>
+</p:notes>
+</file>
+
+<file path=ppt/notesSlides/notesSlide17.xml><?xml version="1.0" encoding="utf-8"?>
+<p:notes xmlns:a="http://schemas.openxmlformats.org/drawingml/2006/main" xmlns:r="http://schemas.openxmlformats.org/officeDocument/2006/relationships" xmlns:p="http://schemas.openxmlformats.org/presentationml/2006/main">
+  <p:cSld>
+    <p:spTree>
+      <p:nvGrpSpPr>
+        <p:cNvPr id="1" name=""/>
+        <p:cNvGrpSpPr/>
+        <p:nvPr/>
+      </p:nvGrpSpPr>
+      <p:grpSpPr>
+        <a:xfrm>
+          <a:off x="0" y="0"/>
+          <a:ext cx="0" cy="0"/>
+          <a:chOff x="0" y="0"/>
+          <a:chExt cx="0" cy="0"/>
+        </a:xfrm>
+      </p:grpSpPr>
+      <p:sp>
+        <p:nvSpPr>
+          <p:cNvPr id="2" name="Slide Image Placeholder 1"/>
+          <p:cNvSpPr>
+            <a:spLocks noGrp="1" noRot="1" noChangeAspect="1"/>
+          </p:cNvSpPr>
+          <p:nvPr>
+            <p:ph type="sldImg"/>
+          </p:nvPr>
+        </p:nvSpPr>
+        <p:spPr/>
+      </p:sp>
+      <p:sp>
+        <p:nvSpPr>
+          <p:cNvPr id="3" name="Notes Placeholder 2"/>
+          <p:cNvSpPr>
+            <a:spLocks noGrp="1"/>
+          </p:cNvSpPr>
+          <p:nvPr>
+            <p:ph type="body" idx="1"/>
+          </p:nvPr>
+        </p:nvSpPr>
+        <p:spPr/>
+        <p:txBody>
+          <a:bodyPr/>
+          <a:lstStyle/>
+          <a:p>
+            <a:pPr marL="0" marR="0" lvl="0" indent="0" algn="l" defTabSz="914400" rtl="0" eaLnBrk="1" fontAlgn="auto" latinLnBrk="0" hangingPunct="1">
+              <a:lnSpc>
+                <a:spcPct val="100000"/>
+              </a:lnSpc>
+              <a:spcBef>
+                <a:spcPts val="0"/>
+              </a:spcBef>
+              <a:spcAft>
+                <a:spcPts val="0"/>
+              </a:spcAft>
+              <a:buClrTx/>
+              <a:buSzTx/>
+              <a:buFontTx/>
+              <a:buNone/>
+              <a:tabLst/>
+              <a:defRPr/>
+            </a:pPr>
+            <a:r>
+              <a:rPr lang="en-US" dirty="0"/>
+              <a:t>&lt;read slide&gt;</a:t>
+            </a:r>
+          </a:p>
+          <a:p>
+            <a:endParaRPr lang="en-US" dirty="0"/>
+          </a:p>
+        </p:txBody>
+      </p:sp>
+      <p:sp>
+        <p:nvSpPr>
+          <p:cNvPr id="4" name="Slide Number Placeholder 3"/>
+          <p:cNvSpPr>
+            <a:spLocks noGrp="1"/>
+          </p:cNvSpPr>
+          <p:nvPr>
+            <p:ph type="sldNum" sz="quarter" idx="5"/>
+          </p:nvPr>
+        </p:nvSpPr>
+        <p:spPr/>
+        <p:txBody>
+          <a:bodyPr/>
+          <a:lstStyle/>
+          <a:p>
+            <a:fld id="{07937F07-1250-4CCE-B198-1B2887014F41}" type="slidenum">
+              <a:rPr lang="en-US" smtClean="0"/>
+              <a:t>18</a:t>
+            </a:fld>
+            <a:endParaRPr lang="en-US"/>
+          </a:p>
+        </p:txBody>
+      </p:sp>
+    </p:spTree>
+    <p:extLst>
+      <p:ext uri="{BB962C8B-B14F-4D97-AF65-F5344CB8AC3E}">
+        <p14:creationId xmlns:p14="http://schemas.microsoft.com/office/powerpoint/2010/main" val="3444628637"/>
+      </p:ext>
+    </p:extLst>
+  </p:cSld>
+  <p:clrMapOvr>
+    <a:masterClrMapping/>
+  </p:clrMapOvr>
+</p:notes>
+</file>
+
+<file path=ppt/notesSlides/notesSlide18.xml><?xml version="1.0" encoding="utf-8"?>
+<p:notes xmlns:a="http://schemas.openxmlformats.org/drawingml/2006/main" xmlns:r="http://schemas.openxmlformats.org/officeDocument/2006/relationships" xmlns:p="http://schemas.openxmlformats.org/presentationml/2006/main">
+  <p:cSld>
+    <p:spTree>
+      <p:nvGrpSpPr>
+        <p:cNvPr id="1" name=""/>
+        <p:cNvGrpSpPr/>
+        <p:nvPr/>
+      </p:nvGrpSpPr>
+      <p:grpSpPr>
+        <a:xfrm>
+          <a:off x="0" y="0"/>
+          <a:ext cx="0" cy="0"/>
+          <a:chOff x="0" y="0"/>
+          <a:chExt cx="0" cy="0"/>
+        </a:xfrm>
+      </p:grpSpPr>
+      <p:sp>
+        <p:nvSpPr>
+          <p:cNvPr id="2" name="Slide Image Placeholder 1"/>
+          <p:cNvSpPr>
+            <a:spLocks noGrp="1" noRot="1" noChangeAspect="1"/>
+          </p:cNvSpPr>
+          <p:nvPr>
+            <p:ph type="sldImg"/>
+          </p:nvPr>
+        </p:nvSpPr>
+        <p:spPr/>
+      </p:sp>
+      <p:sp>
+        <p:nvSpPr>
+          <p:cNvPr id="3" name="Notes Placeholder 2"/>
+          <p:cNvSpPr>
+            <a:spLocks noGrp="1"/>
+          </p:cNvSpPr>
+          <p:nvPr>
+            <p:ph type="body" idx="1"/>
+          </p:nvPr>
+        </p:nvSpPr>
+        <p:spPr/>
+        <p:txBody>
+          <a:bodyPr/>
+          <a:lstStyle/>
+          <a:p>
+            <a:pPr marL="0" marR="0" lvl="0" indent="0" algn="l" defTabSz="914400" rtl="0" eaLnBrk="1" fontAlgn="auto" latinLnBrk="0" hangingPunct="1">
+              <a:lnSpc>
+                <a:spcPct val="100000"/>
+              </a:lnSpc>
+              <a:spcBef>
+                <a:spcPts val="0"/>
+              </a:spcBef>
+              <a:spcAft>
+                <a:spcPts val="0"/>
+              </a:spcAft>
+              <a:buClrTx/>
+              <a:buSzTx/>
+              <a:buFontTx/>
+              <a:buNone/>
+              <a:tabLst/>
+              <a:defRPr/>
+            </a:pPr>
+            <a:r>
+              <a:rPr lang="en-US" dirty="0"/>
+              <a:t>&lt;read slide&gt;</a:t>
+            </a:r>
+          </a:p>
+          <a:p>
+            <a:endParaRPr lang="en-US" dirty="0"/>
+          </a:p>
+        </p:txBody>
+      </p:sp>
+      <p:sp>
+        <p:nvSpPr>
+          <p:cNvPr id="4" name="Slide Number Placeholder 3"/>
+          <p:cNvSpPr>
+            <a:spLocks noGrp="1"/>
+          </p:cNvSpPr>
+          <p:nvPr>
+            <p:ph type="sldNum" sz="quarter" idx="5"/>
+          </p:nvPr>
+        </p:nvSpPr>
+        <p:spPr/>
+        <p:txBody>
+          <a:bodyPr/>
+          <a:lstStyle/>
+          <a:p>
+            <a:fld id="{07937F07-1250-4CCE-B198-1B2887014F41}" type="slidenum">
+              <a:rPr lang="en-US" smtClean="0"/>
+              <a:t>19</a:t>
+            </a:fld>
+            <a:endParaRPr lang="en-US"/>
+          </a:p>
+        </p:txBody>
+      </p:sp>
+    </p:spTree>
+    <p:extLst>
+      <p:ext uri="{BB962C8B-B14F-4D97-AF65-F5344CB8AC3E}">
+        <p14:creationId xmlns:p14="http://schemas.microsoft.com/office/powerpoint/2010/main" val="453955028"/>
+      </p:ext>
+    </p:extLst>
+  </p:cSld>
+  <p:clrMapOvr>
+    <a:masterClrMapping/>
+  </p:clrMapOvr>
+</p:notes>
+</file>
+
+<file path=ppt/notesSlides/notesSlide19.xml><?xml version="1.0" encoding="utf-8"?>
+<p:notes xmlns:a="http://schemas.openxmlformats.org/drawingml/2006/main" xmlns:r="http://schemas.openxmlformats.org/officeDocument/2006/relationships" xmlns:p="http://schemas.openxmlformats.org/presentationml/2006/main">
+  <p:cSld>
+    <p:spTree>
+      <p:nvGrpSpPr>
+        <p:cNvPr id="1" name=""/>
+        <p:cNvGrpSpPr/>
+        <p:nvPr/>
+      </p:nvGrpSpPr>
+      <p:grpSpPr>
+        <a:xfrm>
+          <a:off x="0" y="0"/>
+          <a:ext cx="0" cy="0"/>
+          <a:chOff x="0" y="0"/>
+          <a:chExt cx="0" cy="0"/>
+        </a:xfrm>
+      </p:grpSpPr>
+      <p:sp>
+        <p:nvSpPr>
+          <p:cNvPr id="2" name="Slide Image Placeholder 1"/>
+          <p:cNvSpPr>
+            <a:spLocks noGrp="1" noRot="1" noChangeAspect="1"/>
+          </p:cNvSpPr>
+          <p:nvPr>
+            <p:ph type="sldImg"/>
+          </p:nvPr>
+        </p:nvSpPr>
+        <p:spPr/>
+      </p:sp>
+      <p:sp>
+        <p:nvSpPr>
+          <p:cNvPr id="3" name="Notes Placeholder 2"/>
+          <p:cNvSpPr>
+            <a:spLocks noGrp="1"/>
+          </p:cNvSpPr>
+          <p:nvPr>
+            <p:ph type="body" idx="1"/>
+          </p:nvPr>
+        </p:nvSpPr>
+        <p:spPr/>
+        <p:txBody>
+          <a:bodyPr/>
+          <a:lstStyle/>
+          <a:p>
+            <a:pPr marL="0" marR="0" lvl="0" indent="0" algn="l" defTabSz="914400" rtl="0" eaLnBrk="1" fontAlgn="auto" latinLnBrk="0" hangingPunct="1">
+              <a:lnSpc>
+                <a:spcPct val="100000"/>
+              </a:lnSpc>
+              <a:spcBef>
+                <a:spcPts val="0"/>
+              </a:spcBef>
+              <a:spcAft>
+                <a:spcPts val="0"/>
+              </a:spcAft>
+              <a:buClrTx/>
+              <a:buSzTx/>
+              <a:buFontTx/>
+              <a:buNone/>
+              <a:tabLst/>
+              <a:defRPr/>
+            </a:pPr>
+            <a:r>
+              <a:rPr lang="en-US"/>
+              <a:t>&lt;read slide&gt;</a:t>
+            </a:r>
+          </a:p>
+          <a:p>
+            <a:endParaRPr lang="en-US"/>
+          </a:p>
+        </p:txBody>
+      </p:sp>
+      <p:sp>
+        <p:nvSpPr>
+          <p:cNvPr id="4" name="Slide Number Placeholder 3"/>
+          <p:cNvSpPr>
+            <a:spLocks noGrp="1"/>
+          </p:cNvSpPr>
+          <p:nvPr>
+            <p:ph type="sldNum" sz="quarter" idx="5"/>
+          </p:nvPr>
+        </p:nvSpPr>
+        <p:spPr/>
+        <p:txBody>
+          <a:bodyPr/>
+          <a:lstStyle/>
+          <a:p>
+            <a:fld id="{07937F07-1250-4CCE-B198-1B2887014F41}" type="slidenum">
+              <a:rPr lang="en-US" smtClean="0"/>
+              <a:t>20</a:t>
+            </a:fld>
+            <a:endParaRPr lang="en-US"/>
+          </a:p>
+        </p:txBody>
+      </p:sp>
+    </p:spTree>
+    <p:extLst>
+      <p:ext uri="{BB962C8B-B14F-4D97-AF65-F5344CB8AC3E}">
+        <p14:creationId xmlns:p14="http://schemas.microsoft.com/office/powerpoint/2010/main" val="1376686511"/>
+      </p:ext>
+    </p:extLst>
+  </p:cSld>
+  <p:clrMapOvr>
+    <a:masterClrMapping/>
+  </p:clrMapOvr>
+</p:notes>
+</file>
+
+<file path=ppt/notesSlides/notesSlide2.xml><?xml version="1.0" encoding="utf-8"?>
+<p:notes xmlns:a="http://schemas.openxmlformats.org/drawingml/2006/main" xmlns:r="http://schemas.openxmlformats.org/officeDocument/2006/relationships" xmlns:p="http://schemas.openxmlformats.org/presentationml/2006/main">
+  <p:cSld>
+    <p:spTree>
+      <p:nvGrpSpPr>
+        <p:cNvPr id="1" name=""/>
+        <p:cNvGrpSpPr/>
+        <p:nvPr/>
+      </p:nvGrpSpPr>
+      <p:grpSpPr>
+        <a:xfrm>
+          <a:off x="0" y="0"/>
+          <a:ext cx="0" cy="0"/>
+          <a:chOff x="0" y="0"/>
+          <a:chExt cx="0" cy="0"/>
+        </a:xfrm>
+      </p:grpSpPr>
+      <p:sp>
+        <p:nvSpPr>
+          <p:cNvPr id="2" name="Slide Image Placeholder 1"/>
+          <p:cNvSpPr>
+            <a:spLocks noGrp="1" noRot="1" noChangeAspect="1"/>
+          </p:cNvSpPr>
+          <p:nvPr>
+            <p:ph type="sldImg"/>
+          </p:nvPr>
+        </p:nvSpPr>
+        <p:spPr/>
+      </p:sp>
+      <p:sp>
+        <p:nvSpPr>
+          <p:cNvPr id="3" name="Notes Placeholder 2"/>
+          <p:cNvSpPr>
+            <a:spLocks noGrp="1"/>
+          </p:cNvSpPr>
+          <p:nvPr>
+            <p:ph type="body" idx="1"/>
+          </p:nvPr>
+        </p:nvSpPr>
+        <p:spPr/>
+        <p:txBody>
+          <a:bodyPr/>
+          <a:lstStyle/>
+          <a:p>
+            <a:r>
+              <a:rPr lang="en-US" dirty="0"/>
+              <a:t>Let's start with the working definition of software testing. Testing is a process of checking to see if the software that you have developed meets certain concrete requirements. Two things that are important here. (1) Certain i.e., these are a finite number of things that we are talking about (requirements, features) and (2) they are concrete, they are not symbolic i.e., you can see them, you can observe them. So testing is carried out by running the software, by executing the software. So let’s first define some of the related terminology. </a:t>
+            </a:r>
+          </a:p>
+        </p:txBody>
+      </p:sp>
+      <p:sp>
+        <p:nvSpPr>
+          <p:cNvPr id="4" name="Slide Number Placeholder 3"/>
+          <p:cNvSpPr>
+            <a:spLocks noGrp="1"/>
+          </p:cNvSpPr>
+          <p:nvPr>
+            <p:ph type="sldNum" sz="quarter" idx="5"/>
+          </p:nvPr>
+        </p:nvSpPr>
+        <p:spPr/>
+        <p:txBody>
+          <a:bodyPr/>
+          <a:lstStyle/>
+          <a:p>
+            <a:fld id="{07937F07-1250-4CCE-B198-1B2887014F41}" type="slidenum">
+              <a:rPr lang="en-US" smtClean="0"/>
+              <a:t>3</a:t>
+            </a:fld>
+            <a:endParaRPr lang="en-US"/>
+          </a:p>
+        </p:txBody>
+      </p:sp>
+    </p:spTree>
+    <p:extLst>
+      <p:ext uri="{BB962C8B-B14F-4D97-AF65-F5344CB8AC3E}">
+        <p14:creationId xmlns:p14="http://schemas.microsoft.com/office/powerpoint/2010/main" val="485401358"/>
+      </p:ext>
+    </p:extLst>
+  </p:cSld>
+  <p:clrMapOvr>
+    <a:masterClrMapping/>
+  </p:clrMapOvr>
+</p:notes>
+</file>
+
+<file path=ppt/notesSlides/notesSlide3.xml><?xml version="1.0" encoding="utf-8"?>
+<p:notes xmlns:a="http://schemas.openxmlformats.org/drawingml/2006/main" xmlns:r="http://schemas.openxmlformats.org/officeDocument/2006/relationships" xmlns:p="http://schemas.openxmlformats.org/presentationml/2006/main">
+  <p:cSld>
+    <p:spTree>
+      <p:nvGrpSpPr>
+        <p:cNvPr id="1" name=""/>
+        <p:cNvGrpSpPr/>
+        <p:nvPr/>
+      </p:nvGrpSpPr>
+      <p:grpSpPr>
+        <a:xfrm>
+          <a:off x="0" y="0"/>
+          <a:ext cx="0" cy="0"/>
+          <a:chOff x="0" y="0"/>
+          <a:chExt cx="0" cy="0"/>
+        </a:xfrm>
+      </p:grpSpPr>
+      <p:sp>
+        <p:nvSpPr>
+          <p:cNvPr id="2" name="Slide Image Placeholder 1"/>
+          <p:cNvSpPr>
+            <a:spLocks noGrp="1" noRot="1" noChangeAspect="1"/>
+          </p:cNvSpPr>
+          <p:nvPr>
+            <p:ph type="sldImg"/>
+          </p:nvPr>
+        </p:nvSpPr>
+        <p:spPr/>
+      </p:sp>
+      <p:sp>
+        <p:nvSpPr>
+          <p:cNvPr id="3" name="Notes Placeholder 2"/>
+          <p:cNvSpPr>
+            <a:spLocks noGrp="1"/>
+          </p:cNvSpPr>
+          <p:nvPr>
+            <p:ph type="body" idx="1"/>
+          </p:nvPr>
+        </p:nvSpPr>
+        <p:spPr/>
+        <p:txBody>
+          <a:bodyPr/>
+          <a:lstStyle/>
+          <a:p>
+            <a:pPr marL="0" marR="0" lvl="0" indent="0" algn="l" defTabSz="914400" rtl="0" eaLnBrk="1" fontAlgn="auto" latinLnBrk="0" hangingPunct="1">
+              <a:lnSpc>
+                <a:spcPct val="100000"/>
+              </a:lnSpc>
+              <a:spcBef>
+                <a:spcPts val="0"/>
+              </a:spcBef>
+              <a:spcAft>
+                <a:spcPts val="0"/>
+              </a:spcAft>
+              <a:buClrTx/>
+              <a:buSzTx/>
+              <a:buFontTx/>
+              <a:buNone/>
+              <a:tabLst/>
+              <a:defRPr/>
+            </a:pPr>
+            <a:r>
+              <a:rPr lang="en-US" dirty="0"/>
+              <a:t>SUT is system under test. ‘System under test’ basically means that your software or whatever software and hardware combination i.e., system you have built, you can provide an input. That input will go through your system and produce an output. System can have its own state and it can have other behaviors. </a:t>
+            </a:r>
+          </a:p>
+        </p:txBody>
+      </p:sp>
+      <p:sp>
+        <p:nvSpPr>
+          <p:cNvPr id="4" name="Slide Number Placeholder 3"/>
+          <p:cNvSpPr>
+            <a:spLocks noGrp="1"/>
+          </p:cNvSpPr>
+          <p:nvPr>
+            <p:ph type="sldNum" sz="quarter" idx="5"/>
+          </p:nvPr>
+        </p:nvSpPr>
+        <p:spPr/>
+        <p:txBody>
+          <a:bodyPr/>
+          <a:lstStyle/>
+          <a:p>
+            <a:fld id="{07937F07-1250-4CCE-B198-1B2887014F41}" type="slidenum">
+              <a:rPr lang="en-US" smtClean="0"/>
+              <a:t>4</a:t>
+            </a:fld>
+            <a:endParaRPr lang="en-US"/>
+          </a:p>
+        </p:txBody>
+      </p:sp>
+    </p:spTree>
+    <p:extLst>
+      <p:ext uri="{BB962C8B-B14F-4D97-AF65-F5344CB8AC3E}">
+        <p14:creationId xmlns:p14="http://schemas.microsoft.com/office/powerpoint/2010/main" val="125278023"/>
+      </p:ext>
+    </p:extLst>
+  </p:cSld>
+  <p:clrMapOvr>
+    <a:masterClrMapping/>
+  </p:clrMapOvr>
+</p:notes>
+</file>
+
+<file path=ppt/notesSlides/notesSlide4.xml><?xml version="1.0" encoding="utf-8"?>
+<p:notes xmlns:a="http://schemas.openxmlformats.org/drawingml/2006/main" xmlns:r="http://schemas.openxmlformats.org/officeDocument/2006/relationships" xmlns:p="http://schemas.openxmlformats.org/presentationml/2006/main">
+  <p:cSld>
+    <p:spTree>
+      <p:nvGrpSpPr>
+        <p:cNvPr id="1" name=""/>
+        <p:cNvGrpSpPr/>
+        <p:nvPr/>
+      </p:nvGrpSpPr>
+      <p:grpSpPr>
+        <a:xfrm>
+          <a:off x="0" y="0"/>
+          <a:ext cx="0" cy="0"/>
+          <a:chOff x="0" y="0"/>
+          <a:chExt cx="0" cy="0"/>
+        </a:xfrm>
+      </p:grpSpPr>
+      <p:sp>
+        <p:nvSpPr>
+          <p:cNvPr id="2" name="Slide Image Placeholder 1"/>
+          <p:cNvSpPr>
+            <a:spLocks noGrp="1" noRot="1" noChangeAspect="1"/>
+          </p:cNvSpPr>
+          <p:nvPr>
+            <p:ph type="sldImg"/>
+          </p:nvPr>
+        </p:nvSpPr>
+        <p:spPr/>
+      </p:sp>
+      <p:sp>
+        <p:nvSpPr>
+          <p:cNvPr id="3" name="Notes Placeholder 2"/>
+          <p:cNvSpPr>
+            <a:spLocks noGrp="1"/>
+          </p:cNvSpPr>
+          <p:nvPr>
+            <p:ph type="body" idx="1"/>
+          </p:nvPr>
+        </p:nvSpPr>
+        <p:spPr/>
+        <p:txBody>
+          <a:bodyPr/>
+          <a:lstStyle/>
+          <a:p>
+            <a:pPr marL="0" marR="0" lvl="0" indent="0" algn="l" defTabSz="914400" rtl="0" eaLnBrk="1" fontAlgn="auto" latinLnBrk="0" hangingPunct="1">
+              <a:lnSpc>
+                <a:spcPct val="100000"/>
+              </a:lnSpc>
+              <a:spcBef>
+                <a:spcPts val="0"/>
+              </a:spcBef>
+              <a:spcAft>
+                <a:spcPts val="0"/>
+              </a:spcAft>
+              <a:buClrTx/>
+              <a:buSzTx/>
+              <a:buFontTx/>
+              <a:buNone/>
+              <a:tabLst/>
+              <a:defRPr/>
+            </a:pPr>
+            <a:r>
+              <a:rPr lang="en-US" dirty="0"/>
+              <a:t>So, a test basically can come in many forms, test could be given in the form of an input and your system will then respond or change the state and produce an output. When we talk about running a test, we set up our ‘system under test’ to get the state ready, and we apply the inputs and then we observe the output, and we observe the state of the system. We look at the behavior of the system.</a:t>
+            </a:r>
+          </a:p>
+          <a:p>
+            <a:endParaRPr lang="en-US" dirty="0"/>
+          </a:p>
+        </p:txBody>
+      </p:sp>
+      <p:sp>
+        <p:nvSpPr>
+          <p:cNvPr id="4" name="Slide Number Placeholder 3"/>
+          <p:cNvSpPr>
+            <a:spLocks noGrp="1"/>
+          </p:cNvSpPr>
+          <p:nvPr>
+            <p:ph type="sldNum" sz="quarter" idx="5"/>
+          </p:nvPr>
+        </p:nvSpPr>
+        <p:spPr/>
+        <p:txBody>
+          <a:bodyPr/>
+          <a:lstStyle/>
+          <a:p>
+            <a:fld id="{07937F07-1250-4CCE-B198-1B2887014F41}" type="slidenum">
+              <a:rPr lang="en-US" smtClean="0"/>
+              <a:t>5</a:t>
+            </a:fld>
+            <a:endParaRPr lang="en-US"/>
+          </a:p>
+        </p:txBody>
+      </p:sp>
+    </p:spTree>
+    <p:extLst>
+      <p:ext uri="{BB962C8B-B14F-4D97-AF65-F5344CB8AC3E}">
+        <p14:creationId xmlns:p14="http://schemas.microsoft.com/office/powerpoint/2010/main" val="2929342126"/>
+      </p:ext>
+    </p:extLst>
+  </p:cSld>
+  <p:clrMapOvr>
+    <a:masterClrMapping/>
+  </p:clrMapOvr>
+</p:notes>
+</file>
+
+<file path=ppt/notesSlides/notesSlide5.xml><?xml version="1.0" encoding="utf-8"?>
+<p:notes xmlns:a="http://schemas.openxmlformats.org/drawingml/2006/main" xmlns:r="http://schemas.openxmlformats.org/officeDocument/2006/relationships" xmlns:p="http://schemas.openxmlformats.org/presentationml/2006/main">
+  <p:cSld>
+    <p:spTree>
+      <p:nvGrpSpPr>
+        <p:cNvPr id="1" name=""/>
+        <p:cNvGrpSpPr/>
+        <p:nvPr/>
+      </p:nvGrpSpPr>
+      <p:grpSpPr>
+        <a:xfrm>
+          <a:off x="0" y="0"/>
+          <a:ext cx="0" cy="0"/>
+          <a:chOff x="0" y="0"/>
+          <a:chExt cx="0" cy="0"/>
+        </a:xfrm>
+      </p:grpSpPr>
+      <p:sp>
+        <p:nvSpPr>
+          <p:cNvPr id="2" name="Slide Image Placeholder 1"/>
+          <p:cNvSpPr>
+            <a:spLocks noGrp="1" noRot="1" noChangeAspect="1"/>
+          </p:cNvSpPr>
+          <p:nvPr>
+            <p:ph type="sldImg"/>
+          </p:nvPr>
+        </p:nvSpPr>
+        <p:spPr/>
+      </p:sp>
+      <p:sp>
+        <p:nvSpPr>
+          <p:cNvPr id="3" name="Notes Placeholder 2"/>
+          <p:cNvSpPr>
+            <a:spLocks noGrp="1"/>
+          </p:cNvSpPr>
+          <p:nvPr>
+            <p:ph type="body" idx="1"/>
+          </p:nvPr>
+        </p:nvSpPr>
+        <p:spPr/>
+        <p:txBody>
+          <a:bodyPr/>
+          <a:lstStyle/>
+          <a:p>
+            <a:r>
+              <a:rPr lang="en-US" dirty="0"/>
+              <a:t>There is a famous Dykstra's law which basically states that when you are testing your program, testing can be used to show the presence of bugs but it can never show the absence of those bugs. This comes from the fact that you cannot spend all your life on testing, you only have a finite amount of time for you to be able to test the program. So, every time you are going to provide a certain input to the system you are going to observe its behavior, and you only can do it a limited number of times. So that's why you can't run infinite tests.</a:t>
+            </a:r>
+          </a:p>
+        </p:txBody>
+      </p:sp>
+      <p:sp>
+        <p:nvSpPr>
+          <p:cNvPr id="4" name="Slide Number Placeholder 3"/>
+          <p:cNvSpPr>
+            <a:spLocks noGrp="1"/>
+          </p:cNvSpPr>
+          <p:nvPr>
+            <p:ph type="sldNum" sz="quarter" idx="5"/>
+          </p:nvPr>
+        </p:nvSpPr>
+        <p:spPr/>
+        <p:txBody>
+          <a:bodyPr/>
+          <a:lstStyle/>
+          <a:p>
+            <a:fld id="{07937F07-1250-4CCE-B198-1B2887014F41}" type="slidenum">
+              <a:rPr lang="en-US" smtClean="0"/>
+              <a:t>6</a:t>
+            </a:fld>
+            <a:endParaRPr lang="en-US"/>
+          </a:p>
+        </p:txBody>
+      </p:sp>
+    </p:spTree>
+    <p:extLst>
+      <p:ext uri="{BB962C8B-B14F-4D97-AF65-F5344CB8AC3E}">
+        <p14:creationId xmlns:p14="http://schemas.microsoft.com/office/powerpoint/2010/main" val="614742616"/>
+      </p:ext>
+    </p:extLst>
+  </p:cSld>
+  <p:clrMapOvr>
+    <a:masterClrMapping/>
+  </p:clrMapOvr>
+</p:notes>
+</file>
+
+<file path=ppt/notesSlides/notesSlide6.xml><?xml version="1.0" encoding="utf-8"?>
+<p:notes xmlns:a="http://schemas.openxmlformats.org/drawingml/2006/main" xmlns:r="http://schemas.openxmlformats.org/officeDocument/2006/relationships" xmlns:p="http://schemas.openxmlformats.org/presentationml/2006/main">
+  <p:cSld>
+    <p:spTree>
+      <p:nvGrpSpPr>
+        <p:cNvPr id="1" name=""/>
+        <p:cNvGrpSpPr/>
+        <p:nvPr/>
+      </p:nvGrpSpPr>
+      <p:grpSpPr>
+        <a:xfrm>
+          <a:off x="0" y="0"/>
+          <a:ext cx="0" cy="0"/>
+          <a:chOff x="0" y="0"/>
+          <a:chExt cx="0" cy="0"/>
+        </a:xfrm>
+      </p:grpSpPr>
+      <p:sp>
+        <p:nvSpPr>
+          <p:cNvPr id="2" name="Slide Image Placeholder 1"/>
+          <p:cNvSpPr>
+            <a:spLocks noGrp="1" noRot="1" noChangeAspect="1"/>
+          </p:cNvSpPr>
+          <p:nvPr>
+            <p:ph type="sldImg"/>
+          </p:nvPr>
+        </p:nvSpPr>
+        <p:spPr/>
+      </p:sp>
+      <p:sp>
+        <p:nvSpPr>
+          <p:cNvPr id="3" name="Notes Placeholder 2"/>
+          <p:cNvSpPr>
+            <a:spLocks noGrp="1"/>
+          </p:cNvSpPr>
+          <p:nvPr>
+            <p:ph type="body" idx="1"/>
+          </p:nvPr>
+        </p:nvSpPr>
+        <p:spPr/>
+        <p:txBody>
+          <a:bodyPr/>
+          <a:lstStyle/>
+          <a:p>
+            <a:r>
+              <a:rPr lang="en-US" dirty="0"/>
+              <a:t>&lt;read slide&gt;</a:t>
+            </a:r>
+          </a:p>
+        </p:txBody>
+      </p:sp>
+      <p:sp>
+        <p:nvSpPr>
+          <p:cNvPr id="4" name="Slide Number Placeholder 3"/>
+          <p:cNvSpPr>
+            <a:spLocks noGrp="1"/>
+          </p:cNvSpPr>
+          <p:nvPr>
+            <p:ph type="sldNum" sz="quarter" idx="5"/>
+          </p:nvPr>
+        </p:nvSpPr>
+        <p:spPr/>
+        <p:txBody>
+          <a:bodyPr/>
+          <a:lstStyle/>
+          <a:p>
+            <a:fld id="{07937F07-1250-4CCE-B198-1B2887014F41}" type="slidenum">
+              <a:rPr lang="en-US" smtClean="0"/>
+              <a:t>7</a:t>
+            </a:fld>
+            <a:endParaRPr lang="en-US"/>
+          </a:p>
+        </p:txBody>
+      </p:sp>
+    </p:spTree>
+    <p:extLst>
+      <p:ext uri="{BB962C8B-B14F-4D97-AF65-F5344CB8AC3E}">
+        <p14:creationId xmlns:p14="http://schemas.microsoft.com/office/powerpoint/2010/main" val="2197393989"/>
+      </p:ext>
+    </p:extLst>
+  </p:cSld>
+  <p:clrMapOvr>
+    <a:masterClrMapping/>
+  </p:clrMapOvr>
+</p:notes>
+</file>
+
+<file path=ppt/notesSlides/notesSlide7.xml><?xml version="1.0" encoding="utf-8"?>
+<p:notes xmlns:a="http://schemas.openxmlformats.org/drawingml/2006/main" xmlns:r="http://schemas.openxmlformats.org/officeDocument/2006/relationships" xmlns:p="http://schemas.openxmlformats.org/presentationml/2006/main">
+  <p:cSld>
+    <p:spTree>
+      <p:nvGrpSpPr>
+        <p:cNvPr id="1" name=""/>
+        <p:cNvGrpSpPr/>
+        <p:nvPr/>
+      </p:nvGrpSpPr>
+      <p:grpSpPr>
+        <a:xfrm>
+          <a:off x="0" y="0"/>
+          <a:ext cx="0" cy="0"/>
+          <a:chOff x="0" y="0"/>
+          <a:chExt cx="0" cy="0"/>
+        </a:xfrm>
+      </p:grpSpPr>
+      <p:sp>
+        <p:nvSpPr>
+          <p:cNvPr id="2" name="Slide Image Placeholder 1"/>
+          <p:cNvSpPr>
+            <a:spLocks noGrp="1" noRot="1" noChangeAspect="1"/>
+          </p:cNvSpPr>
+          <p:nvPr>
+            <p:ph type="sldImg"/>
+          </p:nvPr>
+        </p:nvSpPr>
+        <p:spPr/>
+      </p:sp>
+      <p:sp>
+        <p:nvSpPr>
+          <p:cNvPr id="3" name="Notes Placeholder 2"/>
+          <p:cNvSpPr>
+            <a:spLocks noGrp="1"/>
+          </p:cNvSpPr>
+          <p:nvPr>
+            <p:ph type="body" idx="1"/>
+          </p:nvPr>
+        </p:nvSpPr>
+        <p:spPr/>
+        <p:txBody>
+          <a:bodyPr/>
+          <a:lstStyle/>
+          <a:p>
+            <a:r>
+              <a:rPr lang="en-US" dirty="0"/>
+              <a:t>The scope of the test can't be can be represented in many different ways. For example, when we talk about unit tests, we talk about tests that are either focused on a particular function or a method or a procedure, or sometimes when you are testing a class, then you can call it a unit test, or sometimes you look at objects or a group of classes and that is your system under the test. When you talk about integration testing, we are basically looking at many subsystems. So we combine many of these units and then test the combination of them. This is often known as integration testing. Then system testing is testing of the entire system, which could be many subcomponents, hardware, software everything together. So, there is a related terminology that is used that which is known as verification and validation, so verification basically means are we building the product right? And validation means are we building the right product. </a:t>
+            </a:r>
+            <a:br>
+              <a:rPr lang="en-US" dirty="0"/>
+            </a:br>
+            <a:r>
+              <a:rPr lang="en-US" dirty="0"/>
+              <a:t>&lt;May be explain different SDLC activities and how they are related to V&amp;V&gt;</a:t>
+            </a:r>
+          </a:p>
+        </p:txBody>
+      </p:sp>
+      <p:sp>
+        <p:nvSpPr>
+          <p:cNvPr id="4" name="Slide Number Placeholder 3"/>
+          <p:cNvSpPr>
+            <a:spLocks noGrp="1"/>
+          </p:cNvSpPr>
+          <p:nvPr>
+            <p:ph type="sldNum" sz="quarter" idx="5"/>
+          </p:nvPr>
+        </p:nvSpPr>
+        <p:spPr/>
+        <p:txBody>
+          <a:bodyPr/>
+          <a:lstStyle/>
+          <a:p>
+            <a:fld id="{07937F07-1250-4CCE-B198-1B2887014F41}" type="slidenum">
+              <a:rPr lang="en-US" smtClean="0"/>
+              <a:t>8</a:t>
+            </a:fld>
+            <a:endParaRPr lang="en-US"/>
+          </a:p>
+        </p:txBody>
+      </p:sp>
+    </p:spTree>
+    <p:extLst>
+      <p:ext uri="{BB962C8B-B14F-4D97-AF65-F5344CB8AC3E}">
+        <p14:creationId xmlns:p14="http://schemas.microsoft.com/office/powerpoint/2010/main" val="3537051191"/>
+      </p:ext>
+    </p:extLst>
+  </p:cSld>
+  <p:clrMapOvr>
+    <a:masterClrMapping/>
+  </p:clrMapOvr>
+</p:notes>
+</file>
+
+<file path=ppt/notesSlides/notesSlide8.xml><?xml version="1.0" encoding="utf-8"?>
+<p:notes xmlns:a="http://schemas.openxmlformats.org/drawingml/2006/main" xmlns:r="http://schemas.openxmlformats.org/officeDocument/2006/relationships" xmlns:p="http://schemas.openxmlformats.org/presentationml/2006/main">
+  <p:cSld>
+    <p:spTree>
+      <p:nvGrpSpPr>
+        <p:cNvPr id="1" name=""/>
+        <p:cNvGrpSpPr/>
+        <p:nvPr/>
+      </p:nvGrpSpPr>
+      <p:grpSpPr>
+        <a:xfrm>
+          <a:off x="0" y="0"/>
+          <a:ext cx="0" cy="0"/>
+          <a:chOff x="0" y="0"/>
+          <a:chExt cx="0" cy="0"/>
+        </a:xfrm>
+      </p:grpSpPr>
+      <p:sp>
+        <p:nvSpPr>
+          <p:cNvPr id="2" name="Slide Image Placeholder 1"/>
+          <p:cNvSpPr>
+            <a:spLocks noGrp="1" noRot="1" noChangeAspect="1"/>
+          </p:cNvSpPr>
+          <p:nvPr>
+            <p:ph type="sldImg"/>
+          </p:nvPr>
+        </p:nvSpPr>
+        <p:spPr/>
+      </p:sp>
+      <p:sp>
+        <p:nvSpPr>
+          <p:cNvPr id="3" name="Notes Placeholder 2"/>
+          <p:cNvSpPr>
+            <a:spLocks noGrp="1"/>
+          </p:cNvSpPr>
+          <p:nvPr>
+            <p:ph type="body" idx="1"/>
+          </p:nvPr>
+        </p:nvSpPr>
+        <p:spPr/>
+        <p:txBody>
+          <a:bodyPr/>
+          <a:lstStyle/>
+          <a:p>
+            <a:r>
+              <a:rPr lang="en-US" dirty="0"/>
+              <a:t>Another way to classify test is by looking at their purpose:</a:t>
+            </a:r>
+            <a:br>
+              <a:rPr lang="en-US" dirty="0"/>
+            </a:br>
+            <a:r>
+              <a:rPr lang="en-US" dirty="0"/>
+              <a:t>Functional tests are often known as black box testing where you are not looking at the source code. It is a black box and you just have API. You know how to run the code or you're testing functions or behaviors. So you're basically looking at the specification and seeing if the functionality of your system meets those specifications. </a:t>
+            </a:r>
+            <a:br>
+              <a:rPr lang="en-US" dirty="0"/>
+            </a:br>
+            <a:r>
+              <a:rPr lang="en-US" dirty="0"/>
+              <a:t>Structural testing, on the other hand, looks inside the box. It's a white box testing where you are looking at the source code and you're trying to figure out if everything looks right.</a:t>
+            </a:r>
+            <a:br>
+              <a:rPr lang="en-US" dirty="0"/>
+            </a:br>
+            <a:r>
+              <a:rPr lang="en-US" dirty="0"/>
+              <a:t>Regression testing relates to preventing bugs from reappearing in your system when you make changes</a:t>
+            </a:r>
+          </a:p>
+          <a:p>
+            <a:r>
+              <a:rPr lang="en-US" dirty="0"/>
+              <a:t>&lt;read slide&gt;</a:t>
+            </a:r>
+          </a:p>
+        </p:txBody>
+      </p:sp>
+      <p:sp>
+        <p:nvSpPr>
+          <p:cNvPr id="4" name="Slide Number Placeholder 3"/>
+          <p:cNvSpPr>
+            <a:spLocks noGrp="1"/>
+          </p:cNvSpPr>
+          <p:nvPr>
+            <p:ph type="sldNum" sz="quarter" idx="5"/>
+          </p:nvPr>
+        </p:nvSpPr>
+        <p:spPr/>
+        <p:txBody>
+          <a:bodyPr/>
+          <a:lstStyle/>
+          <a:p>
+            <a:fld id="{07937F07-1250-4CCE-B198-1B2887014F41}" type="slidenum">
+              <a:rPr lang="en-US" smtClean="0"/>
+              <a:t>9</a:t>
+            </a:fld>
+            <a:endParaRPr lang="en-US"/>
+          </a:p>
+        </p:txBody>
+      </p:sp>
+    </p:spTree>
+    <p:extLst>
+      <p:ext uri="{BB962C8B-B14F-4D97-AF65-F5344CB8AC3E}">
+        <p14:creationId xmlns:p14="http://schemas.microsoft.com/office/powerpoint/2010/main" val="3144782442"/>
+      </p:ext>
+    </p:extLst>
+  </p:cSld>
+  <p:clrMapOvr>
+    <a:masterClrMapping/>
+  </p:clrMapOvr>
+</p:notes>
+</file>
+
+<file path=ppt/notesSlides/notesSlide9.xml><?xml version="1.0" encoding="utf-8"?>
+<p:notes xmlns:a="http://schemas.openxmlformats.org/drawingml/2006/main" xmlns:r="http://schemas.openxmlformats.org/officeDocument/2006/relationships" xmlns:p="http://schemas.openxmlformats.org/presentationml/2006/main">
+  <p:cSld>
+    <p:spTree>
+      <p:nvGrpSpPr>
+        <p:cNvPr id="1" name=""/>
+        <p:cNvGrpSpPr/>
+        <p:nvPr/>
+      </p:nvGrpSpPr>
+      <p:grpSpPr>
+        <a:xfrm>
+          <a:off x="0" y="0"/>
+          <a:ext cx="0" cy="0"/>
+          <a:chOff x="0" y="0"/>
+          <a:chExt cx="0" cy="0"/>
+        </a:xfrm>
+      </p:grpSpPr>
+      <p:sp>
+        <p:nvSpPr>
+          <p:cNvPr id="2" name="Slide Image Placeholder 1"/>
+          <p:cNvSpPr>
+            <a:spLocks noGrp="1" noRot="1" noChangeAspect="1"/>
+          </p:cNvSpPr>
+          <p:nvPr>
+            <p:ph type="sldImg"/>
+          </p:nvPr>
+        </p:nvSpPr>
+        <p:spPr/>
+      </p:sp>
+      <p:sp>
+        <p:nvSpPr>
+          <p:cNvPr id="3" name="Notes Placeholder 2"/>
+          <p:cNvSpPr>
+            <a:spLocks noGrp="1"/>
+          </p:cNvSpPr>
+          <p:nvPr>
+            <p:ph type="body" idx="1"/>
+          </p:nvPr>
+        </p:nvSpPr>
+        <p:spPr/>
+        <p:txBody>
+          <a:bodyPr/>
+          <a:lstStyle/>
+          <a:p>
+            <a:r>
+              <a:rPr lang="en-US" dirty="0"/>
+              <a:t>&lt;read slide and mention the book&gt;</a:t>
+            </a:r>
+          </a:p>
+          <a:p>
+            <a:r>
+              <a:rPr lang="en-US" dirty="0"/>
+              <a:t>In practice when you are testing, we often begin testing in small and then we move towards testing in the large. What that basically means is that we start testing the modules/functions, the classes that we are writing, and then slowly, slowly, we get to the integration testing and then we get to the system testing and so on. So testing starts small and then you move outwards to testing the overall system. </a:t>
+            </a:r>
+          </a:p>
+        </p:txBody>
+      </p:sp>
+      <p:sp>
+        <p:nvSpPr>
+          <p:cNvPr id="4" name="Slide Number Placeholder 3"/>
+          <p:cNvSpPr>
+            <a:spLocks noGrp="1"/>
+          </p:cNvSpPr>
+          <p:nvPr>
+            <p:ph type="sldNum" sz="quarter" idx="5"/>
+          </p:nvPr>
+        </p:nvSpPr>
+        <p:spPr/>
+        <p:txBody>
+          <a:bodyPr/>
+          <a:lstStyle/>
+          <a:p>
+            <a:fld id="{07937F07-1250-4CCE-B198-1B2887014F41}" type="slidenum">
+              <a:rPr lang="en-US" smtClean="0"/>
+              <a:t>10</a:t>
+            </a:fld>
+            <a:endParaRPr lang="en-US"/>
+          </a:p>
+        </p:txBody>
+      </p:sp>
+    </p:spTree>
+    <p:extLst>
+      <p:ext uri="{BB962C8B-B14F-4D97-AF65-F5344CB8AC3E}">
+        <p14:creationId xmlns:p14="http://schemas.microsoft.com/office/powerpoint/2010/main" val="1736522393"/>
+      </p:ext>
+    </p:extLst>
+  </p:cSld>
+  <p:clrMapOvr>
+    <a:masterClrMapping/>
+  </p:clrMapOvr>
+</p:notes>
+</file>
+
 <file path=ppt/slideLayouts/slideLayout1.xml><?xml version="1.0" encoding="utf-8"?>
 <p:sldLayout xmlns:a="http://schemas.openxmlformats.org/drawingml/2006/main" xmlns:r="http://schemas.openxmlformats.org/officeDocument/2006/relationships" xmlns:p="http://schemas.openxmlformats.org/presentationml/2006/main" type="title" preserve="1">
   <p:cSld name="Title Slide">
@@ -640,7 +2436,7 @@
           <a:p>
             <a:fld id="{5D2A64DE-480B-420F-9649-4F8E696E08E0}" type="datetime1">
               <a:rPr lang="en-US" smtClean="0"/>
-              <a:t>10/17/2021</a:t>
+              <a:t>2/8/2022</a:t>
             </a:fld>
             <a:endParaRPr lang="en-US"/>
           </a:p>
@@ -874,7 +2670,7 @@
           <a:p>
             <a:fld id="{0D3616D0-8311-4107-9726-6B805E7D05BA}" type="datetime1">
               <a:rPr lang="en-US" smtClean="0"/>
-              <a:t>10/17/2021</a:t>
+              <a:t>2/8/2022</a:t>
             </a:fld>
             <a:endParaRPr lang="en-US"/>
           </a:p>
@@ -1082,7 +2878,7 @@
           <a:p>
             <a:fld id="{3BC2557A-5C88-417A-A763-5AC779462A5F}" type="datetime1">
               <a:rPr lang="en-US" smtClean="0"/>
-              <a:t>10/17/2021</a:t>
+              <a:t>2/8/2022</a:t>
             </a:fld>
             <a:endParaRPr lang="en-US"/>
           </a:p>
@@ -1612,7 +3408,7 @@
           <a:p>
             <a:fld id="{07C7BFD4-467E-4EDE-93EA-052F5B39A4E5}" type="datetime1">
               <a:rPr lang="en-US" smtClean="0"/>
-              <a:t>10/17/2021</a:t>
+              <a:t>2/8/2022</a:t>
             </a:fld>
             <a:endParaRPr lang="en-US"/>
           </a:p>
@@ -1926,7 +3722,7 @@
           <a:p>
             <a:fld id="{A533CBE2-D5BE-47AC-ADC2-9CDFC1D0CF90}" type="datetime1">
               <a:rPr lang="en-US" smtClean="0"/>
-              <a:t>10/17/2021</a:t>
+              <a:t>2/8/2022</a:t>
             </a:fld>
             <a:endParaRPr lang="en-US"/>
           </a:p>
@@ -2229,7 +4025,7 @@
           <a:p>
             <a:fld id="{39B7EDB1-CE74-4951-85A2-0B01C2128E28}" type="datetime1">
               <a:rPr lang="en-US" smtClean="0"/>
-              <a:t>10/17/2021</a:t>
+              <a:t>2/8/2022</a:t>
             </a:fld>
             <a:endParaRPr lang="en-US"/>
           </a:p>
@@ -2678,7 +4474,7 @@
           <a:p>
             <a:fld id="{2BC7EB92-A5C2-4807-A9DC-9EDE6CBFB241}" type="datetime1">
               <a:rPr lang="en-US" smtClean="0"/>
-              <a:t>10/17/2021</a:t>
+              <a:t>2/8/2022</a:t>
             </a:fld>
             <a:endParaRPr lang="en-US"/>
           </a:p>
@@ -2825,7 +4621,7 @@
           <a:p>
             <a:fld id="{109E55A0-C911-4F03-82FC-7E5926047D46}" type="datetime1">
               <a:rPr lang="en-US" smtClean="0"/>
-              <a:t>10/17/2021</a:t>
+              <a:t>2/8/2022</a:t>
             </a:fld>
             <a:endParaRPr lang="en-US"/>
           </a:p>
@@ -2974,7 +4770,7 @@
           <a:p>
             <a:fld id="{2B7B7EE0-7771-4CD5-9B2B-3550753A54A1}" type="datetime1">
               <a:rPr lang="en-US" smtClean="0"/>
-              <a:t>10/17/2021</a:t>
+              <a:t>2/8/2022</a:t>
             </a:fld>
             <a:endParaRPr lang="en-US"/>
           </a:p>
@@ -3285,7 +5081,7 @@
           <a:p>
             <a:fld id="{F8B318B3-0E87-4416-A9B8-D891968C2727}" type="datetime1">
               <a:rPr lang="en-US" smtClean="0"/>
-              <a:t>10/17/2021</a:t>
+              <a:t>2/8/2022</a:t>
             </a:fld>
             <a:endParaRPr lang="en-US"/>
           </a:p>
@@ -3576,7 +5372,7 @@
           <a:p>
             <a:fld id="{EA476A42-A091-4468-A075-64A31BE59948}" type="datetime1">
               <a:rPr lang="en-US" smtClean="0"/>
-              <a:t>10/17/2021</a:t>
+              <a:t>2/8/2022</a:t>
             </a:fld>
             <a:endParaRPr lang="en-US"/>
           </a:p>
@@ -3819,7 +5615,7 @@
           <a:p>
             <a:fld id="{54D997E8-DDEE-43F1-8D9B-F8A1E11DE488}" type="datetime1">
               <a:rPr lang="en-US" smtClean="0"/>
-              <a:t>10/17/2021</a:t>
+              <a:t>2/8/2022</a:t>
             </a:fld>
             <a:endParaRPr lang="en-US"/>
           </a:p>
@@ -4293,7 +6089,7 @@
               <a:rPr lang="en-US" altLang="en-US" dirty="0">
                 <a:sym typeface="Helvetica Neue" charset="0"/>
               </a:rPr>
-              <a:t>7.1</a:t>
+              <a:t>5.1</a:t>
             </a:r>
             <a:r>
               <a:rPr lang="en-US" altLang="en-US" sz="3200" dirty="0">
@@ -4321,9 +6117,16 @@
             <p:ph type="subTitle" idx="1"/>
           </p:nvPr>
         </p:nvSpPr>
-        <p:spPr/>
-        <p:txBody>
-          <a:bodyPr/>
+        <p:spPr>
+          <a:xfrm>
+            <a:off x="539259" y="3237828"/>
+            <a:ext cx="10940167" cy="1655762"/>
+          </a:xfrm>
+        </p:spPr>
+        <p:txBody>
+          <a:bodyPr>
+            <a:normAutofit/>
+          </a:bodyPr>
           <a:lstStyle/>
           <a:p>
             <a:pPr>
@@ -4332,8 +6135,8 @@
               </a:lnSpc>
             </a:pPr>
             <a:r>
-              <a:rPr lang="en-US" dirty="0"/>
-              <a:t>Adeel Bhutta, Frank Tip, Jan Vitek, Mitch Wand</a:t>
+              <a:rPr lang="en-US" sz="2400" dirty="0"/>
+              <a:t>Jonathan Bell, Adeel Bhutta, Ferdinand Vesely, Mitch Wand</a:t>
             </a:r>
           </a:p>
           <a:p>
@@ -4343,12 +6146,12 @@
               </a:lnSpc>
             </a:pPr>
             <a:r>
-              <a:rPr lang="en-US" dirty="0"/>
+              <a:rPr lang="en-US" sz="2400" dirty="0"/>
               <a:t>Khoury College of Computer Sciences</a:t>
             </a:r>
           </a:p>
           <a:p>
-            <a:endParaRPr lang="en-US" dirty="0"/>
+            <a:endParaRPr lang="en-US" sz="2400" dirty="0"/>
           </a:p>
         </p:txBody>
       </p:sp>
@@ -4426,7 +6229,7 @@
                 <a:ea typeface="+mn-ea"/>
                 <a:cs typeface="+mn-cs"/>
               </a:rPr>
-              <a:t>© 2021 Released under the </a:t>
+              <a:t>© 2022 Released under the </a:t>
             </a:r>
             <a:r>
               <a:rPr lang="en-US" sz="1800" dirty="0">
@@ -5061,7 +6864,7 @@
           <p:nvPr/>
         </p:nvPicPr>
         <p:blipFill>
-          <a:blip r:embed="rId2">
+          <a:blip r:embed="rId3">
             <a:extLst>
               <a:ext uri="{28A0092B-C50C-407E-A947-70E740481C1C}">
                 <a14:useLocalDpi xmlns:a14="http://schemas.microsoft.com/office/drawing/2010/main" val="0"/>
@@ -5098,7 +6901,7 @@
           <p:nvPr/>
         </p:nvPicPr>
         <p:blipFill>
-          <a:blip r:embed="rId3">
+          <a:blip r:embed="rId4">
             <a:extLst>
               <a:ext uri="{28A0092B-C50C-407E-A947-70E740481C1C}">
                 <a14:useLocalDpi xmlns:a14="http://schemas.microsoft.com/office/drawing/2010/main" val="0"/>
@@ -5319,7 +7122,7 @@
           <p:nvPr/>
         </p:nvPicPr>
         <p:blipFill>
-          <a:blip r:embed="rId2">
+          <a:blip r:embed="rId3">
             <a:extLst>
               <a:ext uri="{28A0092B-C50C-407E-A947-70E740481C1C}">
                 <a14:useLocalDpi xmlns:a14="http://schemas.microsoft.com/office/drawing/2010/main" val="0"/>
@@ -5657,7 +7460,7 @@
           <p:nvPr/>
         </p:nvPicPr>
         <p:blipFill>
-          <a:blip r:embed="rId2">
+          <a:blip r:embed="rId3">
             <a:extLst>
               <a:ext uri="{28A0092B-C50C-407E-A947-70E740481C1C}">
                 <a14:useLocalDpi xmlns:a14="http://schemas.microsoft.com/office/drawing/2010/main" val="0"/>
@@ -6097,7 +7900,7 @@
           <p:nvPr/>
         </p:nvPicPr>
         <p:blipFill>
-          <a:blip r:embed="rId2">
+          <a:blip r:embed="rId3">
             <a:extLst>
               <a:ext uri="{28A0092B-C50C-407E-A947-70E740481C1C}">
                 <a14:useLocalDpi xmlns:a14="http://schemas.microsoft.com/office/drawing/2010/main" val="0"/>
@@ -6660,7 +8463,7 @@
           <p:nvPr/>
         </p:nvPicPr>
         <p:blipFill>
-          <a:blip r:embed="rId2">
+          <a:blip r:embed="rId3">
             <a:extLst>
               <a:ext uri="{28A0092B-C50C-407E-A947-70E740481C1C}">
                 <a14:useLocalDpi xmlns:a14="http://schemas.microsoft.com/office/drawing/2010/main" val="0"/>
@@ -8138,8 +9941,13 @@
             <a:pPr lvl="1"/>
             <a:r>
               <a:rPr lang="en-US" dirty="0"/>
-              <a:t>Define “Test-Driven Development”;</a:t>
-            </a:r>
+              <a:t>Understand how “Test-Driven Development” is related </a:t>
+            </a:r>
+            <a:r>
+              <a:rPr lang="en-US"/>
+              <a:t>to testing;</a:t>
+            </a:r>
+            <a:endParaRPr lang="en-US" dirty="0"/>
           </a:p>
           <a:p>
             <a:pPr lvl="1"/>
@@ -8222,7 +10030,7 @@
           <p:cNvPr id="2" name="Title 1">
             <a:extLst>
               <a:ext uri="{FF2B5EF4-FFF2-40B4-BE49-F238E27FC236}">
-                <a16:creationId xmlns:a16="http://schemas.microsoft.com/office/drawing/2014/main" id="{46CF8AAD-C000-4577-AEBC-F85F657FFE8C}"/>
+                <a16:creationId xmlns:a16="http://schemas.microsoft.com/office/drawing/2014/main" id="{ADDDF7AD-1809-4173-85DB-C6679D1D1171}"/>
               </a:ext>
             </a:extLst>
           </p:cNvPr>
@@ -8240,7 +10048,7 @@
           <a:p>
             <a:r>
               <a:rPr lang="en-US" dirty="0"/>
-              <a:t>Variants</a:t>
+              <a:t>Review</a:t>
             </a:r>
           </a:p>
         </p:txBody>
@@ -8250,7 +10058,7 @@
           <p:cNvPr id="3" name="Text Placeholder 2">
             <a:extLst>
               <a:ext uri="{FF2B5EF4-FFF2-40B4-BE49-F238E27FC236}">
-                <a16:creationId xmlns:a16="http://schemas.microsoft.com/office/drawing/2014/main" id="{3B13C7A6-A28D-4387-9F64-48979188D9B1}"/>
+                <a16:creationId xmlns:a16="http://schemas.microsoft.com/office/drawing/2014/main" id="{2DC04701-46F5-4631-A66B-9AC1D5520E14}"/>
               </a:ext>
             </a:extLst>
           </p:cNvPr>
@@ -8261,7 +10069,12 @@
             <p:ph idx="1"/>
           </p:nvPr>
         </p:nvSpPr>
-        <p:spPr/>
+        <p:spPr>
+          <a:xfrm>
+            <a:off x="838200" y="1500160"/>
+            <a:ext cx="10223500" cy="4351338"/>
+          </a:xfrm>
+        </p:spPr>
         <p:txBody>
           <a:bodyPr>
             <a:normAutofit/>
@@ -8270,228 +10083,6 @@
           <a:p>
             <a:r>
               <a:rPr lang="en-US" dirty="0"/>
-              <a:t>Acceptance Test Driven Development (ATDD)</a:t>
-            </a:r>
-          </a:p>
-          <a:p>
-            <a:pPr lvl="1"/>
-            <a:r>
-              <a:rPr lang="en-US" dirty="0"/>
-              <a:t>Write “system” tests to express user requirements.</a:t>
-            </a:r>
-          </a:p>
-          <a:p>
-            <a:pPr lvl="1"/>
-            <a:r>
-              <a:rPr lang="en-US" dirty="0"/>
-              <a:t>These tests may be “large” and/or “slow”.</a:t>
-            </a:r>
-          </a:p>
-          <a:p>
-            <a:pPr lvl="1"/>
-            <a:r>
-              <a:rPr lang="en-US" dirty="0"/>
-              <a:t>Some may not be automatable.</a:t>
-            </a:r>
-          </a:p>
-          <a:p>
-            <a:r>
-              <a:rPr lang="en-US" dirty="0"/>
-              <a:t>Behavior Test Driven Development (BTDD)</a:t>
-            </a:r>
-          </a:p>
-          <a:p>
-            <a:pPr lvl="1"/>
-            <a:r>
-              <a:rPr lang="en-US" dirty="0"/>
-              <a:t>Uses structured natural language to describe user stories with desired behavior.</a:t>
-            </a:r>
-          </a:p>
-          <a:p>
-            <a:pPr lvl="1"/>
-            <a:r>
-              <a:rPr lang="en-US" dirty="0"/>
-              <a:t>Also “system” tests.</a:t>
-            </a:r>
-          </a:p>
-        </p:txBody>
-      </p:sp>
-      <p:sp>
-        <p:nvSpPr>
-          <p:cNvPr id="7" name="Slide Number Placeholder 6">
-            <a:extLst>
-              <a:ext uri="{FF2B5EF4-FFF2-40B4-BE49-F238E27FC236}">
-                <a16:creationId xmlns:a16="http://schemas.microsoft.com/office/drawing/2014/main" id="{C3226C9D-2553-4272-88E2-CE134DEACCAB}"/>
-              </a:ext>
-            </a:extLst>
-          </p:cNvPr>
-          <p:cNvSpPr>
-            <a:spLocks noGrp="1"/>
-          </p:cNvSpPr>
-          <p:nvPr>
-            <p:ph type="sldNum" sz="quarter" idx="12"/>
-          </p:nvPr>
-        </p:nvSpPr>
-        <p:spPr/>
-        <p:txBody>
-          <a:bodyPr/>
-          <a:lstStyle/>
-          <a:p>
-            <a:pPr marL="0" marR="0" lvl="0" indent="0" algn="r" defTabSz="547695" rtl="0" eaLnBrk="1" fontAlgn="auto" latinLnBrk="0" hangingPunct="1">
-              <a:lnSpc>
-                <a:spcPct val="100000"/>
-              </a:lnSpc>
-              <a:spcBef>
-                <a:spcPts val="0"/>
-              </a:spcBef>
-              <a:spcAft>
-                <a:spcPts val="0"/>
-              </a:spcAft>
-              <a:buClrTx/>
-              <a:buSzTx/>
-              <a:buFontTx/>
-              <a:buNone/>
-              <a:tabLst/>
-              <a:defRPr/>
-            </a:pPr>
-            <a:fld id="{86CB4B4D-7CA3-9044-876B-883B54F8677D}" type="slidenum">
-              <a:rPr kumimoji="0" lang="en-US" sz="1200" b="0" i="0" u="none" strike="noStrike" kern="1200" cap="none" spc="0" normalizeH="0" baseline="0" noProof="0" smtClean="0">
-                <a:ln>
-                  <a:noFill/>
-                </a:ln>
-                <a:solidFill>
-                  <a:prstClr val="black">
-                    <a:tint val="75000"/>
-                  </a:prstClr>
-                </a:solidFill>
-                <a:effectLst/>
-                <a:uLnTx/>
-                <a:uFillTx/>
-                <a:latin typeface="Calibri" panose="020F0502020204030204"/>
-                <a:ea typeface="+mn-ea"/>
-                <a:cs typeface="+mn-cs"/>
-              </a:rPr>
-              <a:pPr marL="0" marR="0" lvl="0" indent="0" algn="r" defTabSz="547695" rtl="0" eaLnBrk="1" fontAlgn="auto" latinLnBrk="0" hangingPunct="1">
-                <a:lnSpc>
-                  <a:spcPct val="100000"/>
-                </a:lnSpc>
-                <a:spcBef>
-                  <a:spcPts val="0"/>
-                </a:spcBef>
-                <a:spcAft>
-                  <a:spcPts val="0"/>
-                </a:spcAft>
-                <a:buClrTx/>
-                <a:buSzTx/>
-                <a:buFontTx/>
-                <a:buNone/>
-                <a:tabLst/>
-                <a:defRPr/>
-              </a:pPr>
-              <a:t>20</a:t>
-            </a:fld>
-            <a:endParaRPr kumimoji="0" lang="en-US" sz="1200" b="0" i="0" u="none" strike="noStrike" kern="1200" cap="none" spc="0" normalizeH="0" baseline="0" noProof="0">
-              <a:ln>
-                <a:noFill/>
-              </a:ln>
-              <a:solidFill>
-                <a:prstClr val="black">
-                  <a:tint val="75000"/>
-                </a:prstClr>
-              </a:solidFill>
-              <a:effectLst/>
-              <a:uLnTx/>
-              <a:uFillTx/>
-              <a:latin typeface="Calibri" panose="020F0502020204030204"/>
-              <a:ea typeface="+mn-ea"/>
-              <a:cs typeface="+mn-cs"/>
-            </a:endParaRPr>
-          </a:p>
-        </p:txBody>
-      </p:sp>
-    </p:spTree>
-    <p:extLst>
-      <p:ext uri="{BB962C8B-B14F-4D97-AF65-F5344CB8AC3E}">
-        <p14:creationId xmlns:p14="http://schemas.microsoft.com/office/powerpoint/2010/main" val="3934591498"/>
-      </p:ext>
-    </p:extLst>
-  </p:cSld>
-  <p:clrMapOvr>
-    <a:masterClrMapping/>
-  </p:clrMapOvr>
-</p:sld>
-</file>
-
-<file path=ppt/slides/slide21.xml><?xml version="1.0" encoding="utf-8"?>
-<p:sld xmlns:a="http://schemas.openxmlformats.org/drawingml/2006/main" xmlns:r="http://schemas.openxmlformats.org/officeDocument/2006/relationships" xmlns:p="http://schemas.openxmlformats.org/presentationml/2006/main">
-  <p:cSld>
-    <p:spTree>
-      <p:nvGrpSpPr>
-        <p:cNvPr id="1" name=""/>
-        <p:cNvGrpSpPr/>
-        <p:nvPr/>
-      </p:nvGrpSpPr>
-      <p:grpSpPr>
-        <a:xfrm>
-          <a:off x="0" y="0"/>
-          <a:ext cx="0" cy="0"/>
-          <a:chOff x="0" y="0"/>
-          <a:chExt cx="0" cy="0"/>
-        </a:xfrm>
-      </p:grpSpPr>
-      <p:sp>
-        <p:nvSpPr>
-          <p:cNvPr id="2" name="Title 1">
-            <a:extLst>
-              <a:ext uri="{FF2B5EF4-FFF2-40B4-BE49-F238E27FC236}">
-                <a16:creationId xmlns:a16="http://schemas.microsoft.com/office/drawing/2014/main" id="{ADDDF7AD-1809-4173-85DB-C6679D1D1171}"/>
-              </a:ext>
-            </a:extLst>
-          </p:cNvPr>
-          <p:cNvSpPr>
-            <a:spLocks noGrp="1"/>
-          </p:cNvSpPr>
-          <p:nvPr>
-            <p:ph type="title"/>
-          </p:nvPr>
-        </p:nvSpPr>
-        <p:spPr/>
-        <p:txBody>
-          <a:bodyPr/>
-          <a:lstStyle/>
-          <a:p>
-            <a:r>
-              <a:rPr lang="en-US" dirty="0"/>
-              <a:t>Review</a:t>
-            </a:r>
-          </a:p>
-        </p:txBody>
-      </p:sp>
-      <p:sp>
-        <p:nvSpPr>
-          <p:cNvPr id="3" name="Text Placeholder 2">
-            <a:extLst>
-              <a:ext uri="{FF2B5EF4-FFF2-40B4-BE49-F238E27FC236}">
-                <a16:creationId xmlns:a16="http://schemas.microsoft.com/office/drawing/2014/main" id="{2DC04701-46F5-4631-A66B-9AC1D5520E14}"/>
-              </a:ext>
-            </a:extLst>
-          </p:cNvPr>
-          <p:cNvSpPr>
-            <a:spLocks noGrp="1"/>
-          </p:cNvSpPr>
-          <p:nvPr>
-            <p:ph idx="1"/>
-          </p:nvPr>
-        </p:nvSpPr>
-        <p:spPr/>
-        <p:txBody>
-          <a:bodyPr>
-            <a:normAutofit/>
-          </a:bodyPr>
-          <a:lstStyle/>
-          <a:p>
-            <a:r>
-              <a:rPr lang="en-US" dirty="0"/>
               <a:t>Now that you've studied this lesson, you should be able to:</a:t>
             </a:r>
           </a:p>
@@ -8531,7 +10122,7 @@
             <a:pPr lvl="1"/>
             <a:r>
               <a:rPr lang="en-US" dirty="0"/>
-              <a:t>Define “Test-Driven Development”;</a:t>
+              <a:t>Understand how “Test-Driven Development” is related to testing;</a:t>
             </a:r>
           </a:p>
           <a:p>
@@ -8585,7 +10176,7 @@
               <a:pPr defTabSz="547695">
                 <a:defRPr/>
               </a:pPr>
-              <a:t>21</a:t>
+              <a:t>20</a:t>
             </a:fld>
             <a:endParaRPr lang="en-US"/>
           </a:p>
@@ -9973,7 +11564,7 @@
           <p:nvPr/>
         </p:nvPicPr>
         <p:blipFill>
-          <a:blip r:embed="rId2">
+          <a:blip r:embed="rId3">
             <a:extLst>
               <a:ext uri="{28A0092B-C50C-407E-A947-70E740481C1C}">
                 <a14:useLocalDpi xmlns:a14="http://schemas.microsoft.com/office/drawing/2010/main" val="0"/>
@@ -10425,7 +12016,7 @@
           <p:nvPr/>
         </p:nvPicPr>
         <p:blipFill>
-          <a:blip r:embed="rId2">
+          <a:blip r:embed="rId3">
             <a:extLst>
               <a:ext uri="{28A0092B-C50C-407E-A947-70E740481C1C}">
                 <a14:useLocalDpi xmlns:a14="http://schemas.microsoft.com/office/drawing/2010/main" val="0"/>
@@ -10740,7 +12331,7 @@
           <p:nvPr/>
         </p:nvPicPr>
         <p:blipFill>
-          <a:blip r:embed="rId2"/>
+          <a:blip r:embed="rId3"/>
           <a:srcRect l="4125" t="8464" r="4054" b="5130"/>
           <a:stretch>
             <a:fillRect/>
@@ -11010,7 +12601,7 @@
           <p:nvPr/>
         </p:nvPicPr>
         <p:blipFill>
-          <a:blip r:embed="rId3">
+          <a:blip r:embed="rId4">
             <a:alphaModFix amt="20000"/>
           </a:blip>
           <a:srcRect l="4491" t="13803" r="4399" b="4091"/>
